--- a/PYTHON_7_While Loops.pptx
+++ b/PYTHON_7_While Loops.pptx
@@ -29,18 +29,17 @@
     <p:sldId id="277" r:id="rId23"/>
     <p:sldId id="278" r:id="rId24"/>
     <p:sldId id="279" r:id="rId25"/>
-    <p:sldId id="280" r:id="rId26"/>
-    <p:sldId id="281" r:id="rId27"/>
-    <p:sldId id="282" r:id="rId28"/>
-    <p:sldId id="283" r:id="rId29"/>
-    <p:sldId id="284" r:id="rId30"/>
-    <p:sldId id="285" r:id="rId31"/>
-    <p:sldId id="286" r:id="rId32"/>
-    <p:sldId id="287" r:id="rId33"/>
-    <p:sldId id="288" r:id="rId34"/>
-    <p:sldId id="289" r:id="rId35"/>
-    <p:sldId id="290" r:id="rId36"/>
-    <p:sldId id="291" r:id="rId37"/>
+    <p:sldId id="292" r:id="rId26"/>
+    <p:sldId id="280" r:id="rId27"/>
+    <p:sldId id="281" r:id="rId28"/>
+    <p:sldId id="282" r:id="rId29"/>
+    <p:sldId id="283" r:id="rId30"/>
+    <p:sldId id="284" r:id="rId31"/>
+    <p:sldId id="285" r:id="rId32"/>
+    <p:sldId id="288" r:id="rId33"/>
+    <p:sldId id="289" r:id="rId34"/>
+    <p:sldId id="290" r:id="rId35"/>
+    <p:sldId id="291" r:id="rId36"/>
   </p:sldIdLst>
   <p:sldSz cx="12192000" cy="6858000"/>
   <p:notesSz cx="6858000" cy="9144000"/>
@@ -294,7 +293,7 @@
           <a:p>
             <a:fld id="{D3853345-A581-455E-9661-1270F4F6E587}" type="datetimeFigureOut">
               <a:rPr lang="en-US" smtClean="0"/>
-              <a:t>6/17/2019</a:t>
+              <a:t>7/9/2019</a:t>
             </a:fld>
             <a:endParaRPr lang="en-US"/>
           </a:p>
@@ -497,7 +496,7 @@
           <a:p>
             <a:fld id="{D3853345-A581-455E-9661-1270F4F6E587}" type="datetimeFigureOut">
               <a:rPr lang="en-US" smtClean="0"/>
-              <a:t>6/17/2019</a:t>
+              <a:t>7/9/2019</a:t>
             </a:fld>
             <a:endParaRPr lang="en-US"/>
           </a:p>
@@ -705,7 +704,7 @@
           <a:p>
             <a:fld id="{D3853345-A581-455E-9661-1270F4F6E587}" type="datetimeFigureOut">
               <a:rPr lang="en-US" smtClean="0"/>
-              <a:t>6/17/2019</a:t>
+              <a:t>7/9/2019</a:t>
             </a:fld>
             <a:endParaRPr lang="en-US"/>
           </a:p>
@@ -903,7 +902,7 @@
           <a:p>
             <a:fld id="{D3853345-A581-455E-9661-1270F4F6E587}" type="datetimeFigureOut">
               <a:rPr lang="en-US" smtClean="0"/>
-              <a:t>6/17/2019</a:t>
+              <a:t>7/9/2019</a:t>
             </a:fld>
             <a:endParaRPr lang="en-US"/>
           </a:p>
@@ -1178,7 +1177,7 @@
           <a:p>
             <a:fld id="{D3853345-A581-455E-9661-1270F4F6E587}" type="datetimeFigureOut">
               <a:rPr lang="en-US" smtClean="0"/>
-              <a:t>6/17/2019</a:t>
+              <a:t>7/9/2019</a:t>
             </a:fld>
             <a:endParaRPr lang="en-US"/>
           </a:p>
@@ -1443,7 +1442,7 @@
           <a:p>
             <a:fld id="{D3853345-A581-455E-9661-1270F4F6E587}" type="datetimeFigureOut">
               <a:rPr lang="en-US" smtClean="0"/>
-              <a:t>6/17/2019</a:t>
+              <a:t>7/9/2019</a:t>
             </a:fld>
             <a:endParaRPr lang="en-US"/>
           </a:p>
@@ -1855,7 +1854,7 @@
           <a:p>
             <a:fld id="{D3853345-A581-455E-9661-1270F4F6E587}" type="datetimeFigureOut">
               <a:rPr lang="en-US" smtClean="0"/>
-              <a:t>6/17/2019</a:t>
+              <a:t>7/9/2019</a:t>
             </a:fld>
             <a:endParaRPr lang="en-US"/>
           </a:p>
@@ -1996,7 +1995,7 @@
           <a:p>
             <a:fld id="{D3853345-A581-455E-9661-1270F4F6E587}" type="datetimeFigureOut">
               <a:rPr lang="en-US" smtClean="0"/>
-              <a:t>6/17/2019</a:t>
+              <a:t>7/9/2019</a:t>
             </a:fld>
             <a:endParaRPr lang="en-US"/>
           </a:p>
@@ -2109,7 +2108,7 @@
           <a:p>
             <a:fld id="{D3853345-A581-455E-9661-1270F4F6E587}" type="datetimeFigureOut">
               <a:rPr lang="en-US" smtClean="0"/>
-              <a:t>6/17/2019</a:t>
+              <a:t>7/9/2019</a:t>
             </a:fld>
             <a:endParaRPr lang="en-US"/>
           </a:p>
@@ -2425,7 +2424,7 @@
           <a:p>
             <a:fld id="{D3853345-A581-455E-9661-1270F4F6E587}" type="datetimeFigureOut">
               <a:rPr lang="en-US" smtClean="0"/>
-              <a:t>6/17/2019</a:t>
+              <a:t>7/9/2019</a:t>
             </a:fld>
             <a:endParaRPr lang="en-US"/>
           </a:p>
@@ -2718,7 +2717,7 @@
           <a:p>
             <a:fld id="{D3853345-A581-455E-9661-1270F4F6E587}" type="datetimeFigureOut">
               <a:rPr lang="en-US" smtClean="0"/>
-              <a:t>6/17/2019</a:t>
+              <a:t>7/9/2019</a:t>
             </a:fld>
             <a:endParaRPr lang="en-US"/>
           </a:p>
@@ -2959,7 +2958,7 @@
           <a:p>
             <a:fld id="{D3853345-A581-455E-9661-1270F4F6E587}" type="datetimeFigureOut">
               <a:rPr lang="en-US" smtClean="0"/>
-              <a:t>6/17/2019</a:t>
+              <a:t>7/9/2019</a:t>
             </a:fld>
             <a:endParaRPr lang="en-US"/>
           </a:p>
@@ -4805,14 +4804,8 @@
             </a:r>
             <a:r>
               <a:rPr lang="en-US" sz="3200" dirty="0"/>
-              <a:t> of the loop, before it starts</a:t>
-            </a:r>
-          </a:p>
-          <a:p>
-            <a:pPr marL="0" indent="0">
-              <a:buNone/>
-            </a:pPr>
-            <a:endParaRPr lang="en-US" sz="3200" dirty="0"/>
+              <a:t> of the loop.</a:t>
+            </a:r>
           </a:p>
           <a:p>
             <a:pPr marL="0" indent="0">
@@ -4962,7 +4955,7 @@
             </a:r>
             <a:r>
               <a:rPr lang="en-US" dirty="0"/>
-              <a:t> count &lt; 10: </a:t>
+              <a:t> count &lt; 5: </a:t>
             </a:r>
           </a:p>
           <a:p>
@@ -5176,15 +5169,6 @@
             </a:pPr>
             <a:r>
               <a:rPr lang="en-US" dirty="0"/>
-              <a:t>    –To use a while loop for interactive loops</a:t>
-            </a:r>
-          </a:p>
-          <a:p>
-            <a:pPr marL="0" indent="0">
-              <a:buNone/>
-            </a:pPr>
-            <a:r>
-              <a:rPr lang="en-US" dirty="0"/>
               <a:t>    –To learn about infinite loops </a:t>
             </a:r>
           </a:p>
@@ -5192,9 +5176,15 @@
             <a:pPr marL="0" indent="0">
               <a:buNone/>
             </a:pPr>
-            <a:r>
-              <a:rPr lang="en-US" dirty="0"/>
-              <a:t>       • (And how to avoid them)</a:t>
+            <a:endParaRPr lang="en-US" dirty="0"/>
+          </a:p>
+          <a:p>
+            <a:pPr marL="0" indent="0">
+              <a:buNone/>
+            </a:pPr>
+            <a:r>
+              <a:rPr lang="en-US" dirty="0"/>
+              <a:t>• (And how to avoid them)</a:t>
             </a:r>
           </a:p>
           <a:p>
@@ -5589,24 +5579,16 @@
             </a:pPr>
             <a:r>
               <a:rPr lang="en-US" dirty="0"/>
-              <a:t>• An infinite </a:t>
-            </a:r>
-            <a:r>
-              <a:rPr lang="en-US" dirty="0" err="1"/>
-              <a:t>loopis</a:t>
-            </a:r>
-            <a:r>
-              <a:rPr lang="en-US" dirty="0"/>
-              <a:t> a loop that will run forever </a:t>
-            </a:r>
-          </a:p>
-          <a:p>
-            <a:pPr marL="0" indent="0">
-              <a:buNone/>
-            </a:pPr>
-            <a:r>
-              <a:rPr lang="en-US" dirty="0"/>
-              <a:t>     –The conditional the loop is based on always evaluates to True, and</a:t>
+              <a:t>• An infinite loop is a loop that will run forever </a:t>
+            </a:r>
+          </a:p>
+          <a:p>
+            <a:pPr marL="0" indent="0">
+              <a:buNone/>
+            </a:pPr>
+            <a:r>
+              <a:rPr lang="en-US" dirty="0"/>
+              <a:t>     –The conditional loop is based on always evaluates to True, and</a:t>
             </a:r>
           </a:p>
           <a:p>
@@ -6208,6 +6190,316 @@
           <p:cNvPr id="2" name="Title 1">
             <a:extLst>
               <a:ext uri="{FF2B5EF4-FFF2-40B4-BE49-F238E27FC236}">
+                <a16:creationId xmlns:a16="http://schemas.microsoft.com/office/drawing/2014/main" id="{3E7CA522-D385-457F-AB6B-1F8209D378CD}"/>
+              </a:ext>
+            </a:extLst>
+          </p:cNvPr>
+          <p:cNvSpPr>
+            <a:spLocks noGrp="1"/>
+          </p:cNvSpPr>
+          <p:nvPr>
+            <p:ph type="title"/>
+          </p:nvPr>
+        </p:nvSpPr>
+        <p:spPr/>
+        <p:txBody>
+          <a:bodyPr/>
+          <a:lstStyle/>
+          <a:p>
+            <a:r>
+              <a:rPr lang="en-US" b="1" dirty="0"/>
+              <a:t>Getting out of infinite Loops </a:t>
+            </a:r>
+          </a:p>
+        </p:txBody>
+      </p:sp>
+      <p:sp>
+        <p:nvSpPr>
+          <p:cNvPr id="3" name="Content Placeholder 2">
+            <a:extLst>
+              <a:ext uri="{FF2B5EF4-FFF2-40B4-BE49-F238E27FC236}">
+                <a16:creationId xmlns:a16="http://schemas.microsoft.com/office/drawing/2014/main" id="{437A24CE-B683-4577-BA13-3DC9FD4015D7}"/>
+              </a:ext>
+            </a:extLst>
+          </p:cNvPr>
+          <p:cNvSpPr>
+            <a:spLocks noGrp="1"/>
+          </p:cNvSpPr>
+          <p:nvPr>
+            <p:ph idx="1"/>
+          </p:nvPr>
+        </p:nvSpPr>
+        <p:spPr/>
+        <p:txBody>
+          <a:bodyPr/>
+          <a:lstStyle/>
+          <a:p>
+            <a:pPr marL="0" indent="0">
+              <a:buNone/>
+            </a:pPr>
+            <a:r>
+              <a:rPr lang="en-US" dirty="0"/>
+              <a:t>age = </a:t>
+            </a:r>
+            <a:r>
+              <a:rPr lang="en-US" dirty="0">
+                <a:solidFill>
+                  <a:srgbClr val="0070C0"/>
+                </a:solidFill>
+              </a:rPr>
+              <a:t>int</a:t>
+            </a:r>
+            <a:r>
+              <a:rPr lang="en-US" dirty="0"/>
+              <a:t>(</a:t>
+            </a:r>
+            <a:r>
+              <a:rPr lang="en-US" dirty="0">
+                <a:solidFill>
+                  <a:srgbClr val="0070C0"/>
+                </a:solidFill>
+              </a:rPr>
+              <a:t>input</a:t>
+            </a:r>
+            <a:r>
+              <a:rPr lang="en-US" dirty="0"/>
+              <a:t>("</a:t>
+            </a:r>
+            <a:r>
+              <a:rPr lang="en-US" dirty="0">
+                <a:solidFill>
+                  <a:srgbClr val="FF0000"/>
+                </a:solidFill>
+              </a:rPr>
+              <a:t>How old are you? </a:t>
+            </a:r>
+            <a:r>
+              <a:rPr lang="en-US" dirty="0"/>
+              <a:t>"))</a:t>
+            </a:r>
+          </a:p>
+          <a:p>
+            <a:pPr marL="0" indent="0">
+              <a:buNone/>
+            </a:pPr>
+            <a:r>
+              <a:rPr lang="en-US" dirty="0">
+                <a:solidFill>
+                  <a:srgbClr val="0070C0"/>
+                </a:solidFill>
+              </a:rPr>
+              <a:t>while</a:t>
+            </a:r>
+            <a:r>
+              <a:rPr lang="en-US" dirty="0"/>
+              <a:t> age &lt; </a:t>
+            </a:r>
+            <a:r>
+              <a:rPr lang="en-US" dirty="0">
+                <a:solidFill>
+                  <a:srgbClr val="00B050"/>
+                </a:solidFill>
+              </a:rPr>
+              <a:t>18</a:t>
+            </a:r>
+            <a:r>
+              <a:rPr lang="en-US" dirty="0"/>
+              <a:t>:</a:t>
+            </a:r>
+          </a:p>
+          <a:p>
+            <a:pPr marL="0" indent="0">
+              <a:buNone/>
+            </a:pPr>
+            <a:r>
+              <a:rPr lang="en-US" dirty="0"/>
+              <a:t>	</a:t>
+            </a:r>
+            <a:r>
+              <a:rPr lang="en-US" dirty="0">
+                <a:solidFill>
+                  <a:srgbClr val="0070C0"/>
+                </a:solidFill>
+              </a:rPr>
+              <a:t>print</a:t>
+            </a:r>
+            <a:r>
+              <a:rPr lang="en-US" dirty="0"/>
+              <a:t> ("</a:t>
+            </a:r>
+            <a:r>
+              <a:rPr lang="en-US" dirty="0">
+                <a:solidFill>
+                  <a:srgbClr val="FF0000"/>
+                </a:solidFill>
+              </a:rPr>
+              <a:t>You can't vote at age</a:t>
+            </a:r>
+            <a:r>
+              <a:rPr lang="en-US" dirty="0"/>
+              <a:t>", age)</a:t>
+            </a:r>
+          </a:p>
+          <a:p>
+            <a:pPr marL="0" indent="0">
+              <a:buNone/>
+            </a:pPr>
+            <a:r>
+              <a:rPr lang="en-US" dirty="0"/>
+              <a:t>	</a:t>
+            </a:r>
+            <a:r>
+              <a:rPr lang="en-US" dirty="0">
+                <a:solidFill>
+                  <a:srgbClr val="0070C0"/>
+                </a:solidFill>
+              </a:rPr>
+              <a:t>while</a:t>
+            </a:r>
+            <a:r>
+              <a:rPr lang="en-US" dirty="0"/>
+              <a:t> </a:t>
+            </a:r>
+            <a:r>
+              <a:rPr lang="en-US" dirty="0">
+                <a:solidFill>
+                  <a:srgbClr val="0070C0"/>
+                </a:solidFill>
+              </a:rPr>
+              <a:t>True:</a:t>
+            </a:r>
+          </a:p>
+          <a:p>
+            <a:pPr marL="0" indent="0">
+              <a:buNone/>
+            </a:pPr>
+            <a:r>
+              <a:rPr lang="en-US" dirty="0"/>
+              <a:t>		</a:t>
+            </a:r>
+            <a:r>
+              <a:rPr lang="en-US" dirty="0">
+                <a:solidFill>
+                  <a:srgbClr val="0070C0"/>
+                </a:solidFill>
+              </a:rPr>
+              <a:t>if</a:t>
+            </a:r>
+            <a:r>
+              <a:rPr lang="en-US" dirty="0"/>
+              <a:t> age &lt; </a:t>
+            </a:r>
+            <a:r>
+              <a:rPr lang="en-US" dirty="0">
+                <a:solidFill>
+                  <a:srgbClr val="00B050"/>
+                </a:solidFill>
+              </a:rPr>
+              <a:t>18</a:t>
+            </a:r>
+            <a:r>
+              <a:rPr lang="en-US" dirty="0"/>
+              <a:t> == </a:t>
+            </a:r>
+            <a:r>
+              <a:rPr lang="en-US" dirty="0">
+                <a:solidFill>
+                  <a:srgbClr val="0070C0"/>
+                </a:solidFill>
+              </a:rPr>
+              <a:t>True</a:t>
+            </a:r>
+            <a:r>
+              <a:rPr lang="en-US" dirty="0"/>
+              <a:t>: </a:t>
+            </a:r>
+          </a:p>
+          <a:p>
+            <a:pPr marL="0" indent="0">
+              <a:buNone/>
+            </a:pPr>
+            <a:r>
+              <a:rPr lang="en-US" dirty="0"/>
+              <a:t>			</a:t>
+            </a:r>
+            <a:r>
+              <a:rPr lang="en-US" dirty="0">
+                <a:solidFill>
+                  <a:srgbClr val="0070C0"/>
+                </a:solidFill>
+              </a:rPr>
+              <a:t>break</a:t>
+            </a:r>
+          </a:p>
+          <a:p>
+            <a:pPr marL="0" indent="0">
+              <a:buNone/>
+            </a:pPr>
+            <a:r>
+              <a:rPr lang="en-US" dirty="0">
+                <a:solidFill>
+                  <a:srgbClr val="0070C0"/>
+                </a:solidFill>
+              </a:rPr>
+              <a:t>print</a:t>
+            </a:r>
+            <a:r>
+              <a:rPr lang="en-US" dirty="0"/>
+              <a:t>("</a:t>
+            </a:r>
+            <a:r>
+              <a:rPr lang="en-US" dirty="0">
+                <a:solidFill>
+                  <a:srgbClr val="FF0000"/>
+                </a:solidFill>
+              </a:rPr>
+              <a:t>Now you can vote! Yay!</a:t>
+            </a:r>
+            <a:r>
+              <a:rPr lang="en-US" dirty="0"/>
+              <a:t>")</a:t>
+            </a:r>
+          </a:p>
+          <a:p>
+            <a:endParaRPr lang="en-US" dirty="0"/>
+          </a:p>
+        </p:txBody>
+      </p:sp>
+    </p:spTree>
+    <p:extLst>
+      <p:ext uri="{BB962C8B-B14F-4D97-AF65-F5344CB8AC3E}">
+        <p14:creationId xmlns:p14="http://schemas.microsoft.com/office/powerpoint/2010/main" val="2466185926"/>
+      </p:ext>
+    </p:extLst>
+  </p:cSld>
+  <p:clrMapOvr>
+    <a:masterClrMapping/>
+  </p:clrMapOvr>
+</p:sld>
+</file>
+
+<file path=ppt/slides/slide26.xml><?xml version="1.0" encoding="utf-8"?>
+<p:sld xmlns:a="http://schemas.openxmlformats.org/drawingml/2006/main" xmlns:r="http://schemas.openxmlformats.org/officeDocument/2006/relationships" xmlns:p="http://schemas.openxmlformats.org/presentationml/2006/main">
+  <p:cSld>
+    <p:spTree>
+      <p:nvGrpSpPr>
+        <p:cNvPr id="1" name=""/>
+        <p:cNvGrpSpPr/>
+        <p:nvPr/>
+      </p:nvGrpSpPr>
+      <p:grpSpPr>
+        <a:xfrm>
+          <a:off x="0" y="0"/>
+          <a:ext cx="0" cy="0"/>
+          <a:chOff x="0" y="0"/>
+          <a:chExt cx="0" cy="0"/>
+        </a:xfrm>
+      </p:grpSpPr>
+      <p:sp>
+        <p:nvSpPr>
+          <p:cNvPr id="2" name="Title 1">
+            <a:extLst>
+              <a:ext uri="{FF2B5EF4-FFF2-40B4-BE49-F238E27FC236}">
                 <a16:creationId xmlns:a16="http://schemas.microsoft.com/office/drawing/2014/main" id="{446DB8F4-CC06-4721-943F-A0A1FB8869F3}"/>
               </a:ext>
             </a:extLst>
@@ -6417,7 +6709,7 @@
 </p:sld>
 </file>
 
-<file path=ppt/slides/slide26.xml><?xml version="1.0" encoding="utf-8"?>
+<file path=ppt/slides/slide27.xml><?xml version="1.0" encoding="utf-8"?>
 <p:sld xmlns:a="http://schemas.openxmlformats.org/drawingml/2006/main" xmlns:r="http://schemas.openxmlformats.org/officeDocument/2006/relationships" xmlns:p="http://schemas.openxmlformats.org/presentationml/2006/main">
   <p:cSld>
     <p:bg>
@@ -6672,7 +6964,7 @@
 </p:sld>
 </file>
 
-<file path=ppt/slides/slide27.xml><?xml version="1.0" encoding="utf-8"?>
+<file path=ppt/slides/slide28.xml><?xml version="1.0" encoding="utf-8"?>
 <p:sld xmlns:a="http://schemas.openxmlformats.org/drawingml/2006/main" xmlns:r="http://schemas.openxmlformats.org/officeDocument/2006/relationships" xmlns:p="http://schemas.openxmlformats.org/presentationml/2006/main">
   <p:cSld>
     <p:spTree>
@@ -6894,7 +7186,7 @@
 </p:sld>
 </file>
 
-<file path=ppt/slides/slide28.xml><?xml version="1.0" encoding="utf-8"?>
+<file path=ppt/slides/slide29.xml><?xml version="1.0" encoding="utf-8"?>
 <p:sld xmlns:a="http://schemas.openxmlformats.org/drawingml/2006/main" xmlns:r="http://schemas.openxmlformats.org/officeDocument/2006/relationships" xmlns:p="http://schemas.openxmlformats.org/presentationml/2006/main">
   <p:cSld>
     <p:bg>
@@ -7134,224 +7426,6 @@
     <p:extLst>
       <p:ext uri="{BB962C8B-B14F-4D97-AF65-F5344CB8AC3E}">
         <p14:creationId xmlns:p14="http://schemas.microsoft.com/office/powerpoint/2010/main" val="162051103"/>
-      </p:ext>
-    </p:extLst>
-  </p:cSld>
-  <p:clrMapOvr>
-    <a:masterClrMapping/>
-  </p:clrMapOvr>
-</p:sld>
-</file>
-
-<file path=ppt/slides/slide29.xml><?xml version="1.0" encoding="utf-8"?>
-<p:sld xmlns:a="http://schemas.openxmlformats.org/drawingml/2006/main" xmlns:r="http://schemas.openxmlformats.org/officeDocument/2006/relationships" xmlns:p="http://schemas.openxmlformats.org/presentationml/2006/main">
-  <p:cSld>
-    <p:spTree>
-      <p:nvGrpSpPr>
-        <p:cNvPr id="1" name=""/>
-        <p:cNvGrpSpPr/>
-        <p:nvPr/>
-      </p:nvGrpSpPr>
-      <p:grpSpPr>
-        <a:xfrm>
-          <a:off x="0" y="0"/>
-          <a:ext cx="0" cy="0"/>
-          <a:chOff x="0" y="0"/>
-          <a:chExt cx="0" cy="0"/>
-        </a:xfrm>
-      </p:grpSpPr>
-      <p:sp>
-        <p:nvSpPr>
-          <p:cNvPr id="2" name="Title 1">
-            <a:extLst>
-              <a:ext uri="{FF2B5EF4-FFF2-40B4-BE49-F238E27FC236}">
-                <a16:creationId xmlns:a16="http://schemas.microsoft.com/office/drawing/2014/main" id="{9470C0B4-37E6-414C-AAFD-89D15AB8E845}"/>
-              </a:ext>
-            </a:extLst>
-          </p:cNvPr>
-          <p:cNvSpPr>
-            <a:spLocks noGrp="1"/>
-          </p:cNvSpPr>
-          <p:nvPr>
-            <p:ph type="title"/>
-          </p:nvPr>
-        </p:nvSpPr>
-        <p:spPr/>
-        <p:txBody>
-          <a:bodyPr/>
-          <a:lstStyle/>
-          <a:p>
-            <a:r>
-              <a:rPr lang="en-US" dirty="0"/>
-              <a:t>Infinite Loop Example #4 </a:t>
-            </a:r>
-          </a:p>
-        </p:txBody>
-      </p:sp>
-      <p:sp>
-        <p:nvSpPr>
-          <p:cNvPr id="3" name="Content Placeholder 2">
-            <a:extLst>
-              <a:ext uri="{FF2B5EF4-FFF2-40B4-BE49-F238E27FC236}">
-                <a16:creationId xmlns:a16="http://schemas.microsoft.com/office/drawing/2014/main" id="{34B94201-26F7-411E-BC0E-E3C8F43F6E3A}"/>
-              </a:ext>
-            </a:extLst>
-          </p:cNvPr>
-          <p:cNvSpPr>
-            <a:spLocks noGrp="1"/>
-          </p:cNvSpPr>
-          <p:nvPr>
-            <p:ph idx="1"/>
-          </p:nvPr>
-        </p:nvSpPr>
-        <p:spPr/>
-        <p:txBody>
-          <a:bodyPr/>
-          <a:lstStyle/>
-          <a:p>
-            <a:pPr marL="0" indent="0">
-              <a:buNone/>
-            </a:pPr>
-            <a:r>
-              <a:rPr lang="en-US" dirty="0"/>
-              <a:t>• Why doesn’t this loop end?  What will fix it?</a:t>
-            </a:r>
-          </a:p>
-          <a:p>
-            <a:pPr marL="0" indent="0">
-              <a:buNone/>
-            </a:pPr>
-            <a:endParaRPr lang="en-US" dirty="0"/>
-          </a:p>
-          <a:p>
-            <a:pPr marL="0" indent="0">
-              <a:buNone/>
-            </a:pPr>
-            <a:r>
-              <a:rPr lang="en-US" dirty="0"/>
-              <a:t>countdown = 10</a:t>
-            </a:r>
-          </a:p>
-          <a:p>
-            <a:pPr marL="0" indent="0">
-              <a:buNone/>
-            </a:pPr>
-            <a:r>
-              <a:rPr lang="en-US" dirty="0">
-                <a:solidFill>
-                  <a:srgbClr val="FF0000"/>
-                </a:solidFill>
-              </a:rPr>
-              <a:t>print</a:t>
-            </a:r>
-            <a:r>
-              <a:rPr lang="en-US" dirty="0"/>
-              <a:t> (</a:t>
-            </a:r>
-            <a:r>
-              <a:rPr lang="en-US" dirty="0">
-                <a:solidFill>
-                  <a:srgbClr val="00B050"/>
-                </a:solidFill>
-              </a:rPr>
-              <a:t>"Countdown begin..."</a:t>
-            </a:r>
-            <a:r>
-              <a:rPr lang="en-US" dirty="0"/>
-              <a:t>) </a:t>
-            </a:r>
-          </a:p>
-          <a:p>
-            <a:pPr marL="0" indent="0">
-              <a:buNone/>
-            </a:pPr>
-            <a:r>
-              <a:rPr lang="en-US" dirty="0">
-                <a:solidFill>
-                  <a:srgbClr val="0070C0"/>
-                </a:solidFill>
-              </a:rPr>
-              <a:t>while</a:t>
-            </a:r>
-            <a:r>
-              <a:rPr lang="en-US" dirty="0"/>
-              <a:t> countdown &gt; 0: </a:t>
-            </a:r>
-          </a:p>
-          <a:p>
-            <a:pPr marL="0" indent="0">
-              <a:buNone/>
-            </a:pPr>
-            <a:r>
-              <a:rPr lang="en-US" dirty="0"/>
-              <a:t>      </a:t>
-            </a:r>
-            <a:r>
-              <a:rPr lang="en-US" dirty="0">
-                <a:solidFill>
-                  <a:srgbClr val="FF0000"/>
-                </a:solidFill>
-              </a:rPr>
-              <a:t>print</a:t>
-            </a:r>
-            <a:r>
-              <a:rPr lang="en-US" dirty="0"/>
-              <a:t>(countdown, </a:t>
-            </a:r>
-            <a:r>
-              <a:rPr lang="en-US" dirty="0">
-                <a:solidFill>
-                  <a:srgbClr val="00B050"/>
-                </a:solidFill>
-              </a:rPr>
-              <a:t>"..."</a:t>
-            </a:r>
-            <a:r>
-              <a:rPr lang="en-US" dirty="0"/>
-              <a:t>) </a:t>
-            </a:r>
-          </a:p>
-          <a:p>
-            <a:pPr marL="0" indent="0">
-              <a:buNone/>
-            </a:pPr>
-            <a:r>
-              <a:rPr lang="en-US" dirty="0">
-                <a:solidFill>
-                  <a:srgbClr val="FF0000"/>
-                </a:solidFill>
-              </a:rPr>
-              <a:t>print</a:t>
-            </a:r>
-            <a:r>
-              <a:rPr lang="en-US" dirty="0"/>
-              <a:t>(</a:t>
-            </a:r>
-            <a:r>
-              <a:rPr lang="en-US" dirty="0">
-                <a:solidFill>
-                  <a:srgbClr val="00B050"/>
-                </a:solidFill>
-              </a:rPr>
-              <a:t>"Blastoff!"</a:t>
-            </a:r>
-            <a:r>
-              <a:rPr lang="en-US" dirty="0"/>
-              <a:t>)</a:t>
-            </a:r>
-          </a:p>
-          <a:p>
-            <a:pPr marL="0" indent="0">
-              <a:buNone/>
-            </a:pPr>
-            <a:endParaRPr lang="en-US" dirty="0"/>
-          </a:p>
-        </p:txBody>
-      </p:sp>
-    </p:spTree>
-    <p:extLst>
-      <p:ext uri="{BB962C8B-B14F-4D97-AF65-F5344CB8AC3E}">
-        <p14:creationId xmlns:p14="http://schemas.microsoft.com/office/powerpoint/2010/main" val="4098884012"/>
       </p:ext>
     </p:extLst>
   </p:cSld>
@@ -7440,6 +7514,224 @@
 <file path=ppt/slides/slide30.xml><?xml version="1.0" encoding="utf-8"?>
 <p:sld xmlns:a="http://schemas.openxmlformats.org/drawingml/2006/main" xmlns:r="http://schemas.openxmlformats.org/officeDocument/2006/relationships" xmlns:p="http://schemas.openxmlformats.org/presentationml/2006/main">
   <p:cSld>
+    <p:spTree>
+      <p:nvGrpSpPr>
+        <p:cNvPr id="1" name=""/>
+        <p:cNvGrpSpPr/>
+        <p:nvPr/>
+      </p:nvGrpSpPr>
+      <p:grpSpPr>
+        <a:xfrm>
+          <a:off x="0" y="0"/>
+          <a:ext cx="0" cy="0"/>
+          <a:chOff x="0" y="0"/>
+          <a:chExt cx="0" cy="0"/>
+        </a:xfrm>
+      </p:grpSpPr>
+      <p:sp>
+        <p:nvSpPr>
+          <p:cNvPr id="2" name="Title 1">
+            <a:extLst>
+              <a:ext uri="{FF2B5EF4-FFF2-40B4-BE49-F238E27FC236}">
+                <a16:creationId xmlns:a16="http://schemas.microsoft.com/office/drawing/2014/main" id="{9470C0B4-37E6-414C-AAFD-89D15AB8E845}"/>
+              </a:ext>
+            </a:extLst>
+          </p:cNvPr>
+          <p:cNvSpPr>
+            <a:spLocks noGrp="1"/>
+          </p:cNvSpPr>
+          <p:nvPr>
+            <p:ph type="title"/>
+          </p:nvPr>
+        </p:nvSpPr>
+        <p:spPr/>
+        <p:txBody>
+          <a:bodyPr/>
+          <a:lstStyle/>
+          <a:p>
+            <a:r>
+              <a:rPr lang="en-US" dirty="0"/>
+              <a:t>Infinite Loop Example #4 </a:t>
+            </a:r>
+          </a:p>
+        </p:txBody>
+      </p:sp>
+      <p:sp>
+        <p:nvSpPr>
+          <p:cNvPr id="3" name="Content Placeholder 2">
+            <a:extLst>
+              <a:ext uri="{FF2B5EF4-FFF2-40B4-BE49-F238E27FC236}">
+                <a16:creationId xmlns:a16="http://schemas.microsoft.com/office/drawing/2014/main" id="{34B94201-26F7-411E-BC0E-E3C8F43F6E3A}"/>
+              </a:ext>
+            </a:extLst>
+          </p:cNvPr>
+          <p:cNvSpPr>
+            <a:spLocks noGrp="1"/>
+          </p:cNvSpPr>
+          <p:nvPr>
+            <p:ph idx="1"/>
+          </p:nvPr>
+        </p:nvSpPr>
+        <p:spPr/>
+        <p:txBody>
+          <a:bodyPr/>
+          <a:lstStyle/>
+          <a:p>
+            <a:pPr marL="0" indent="0">
+              <a:buNone/>
+            </a:pPr>
+            <a:r>
+              <a:rPr lang="en-US" dirty="0"/>
+              <a:t>• Why doesn’t this loop end?  What will fix it?</a:t>
+            </a:r>
+          </a:p>
+          <a:p>
+            <a:pPr marL="0" indent="0">
+              <a:buNone/>
+            </a:pPr>
+            <a:endParaRPr lang="en-US" dirty="0"/>
+          </a:p>
+          <a:p>
+            <a:pPr marL="0" indent="0">
+              <a:buNone/>
+            </a:pPr>
+            <a:r>
+              <a:rPr lang="en-US" dirty="0"/>
+              <a:t>countdown = 10</a:t>
+            </a:r>
+          </a:p>
+          <a:p>
+            <a:pPr marL="0" indent="0">
+              <a:buNone/>
+            </a:pPr>
+            <a:r>
+              <a:rPr lang="en-US" dirty="0">
+                <a:solidFill>
+                  <a:srgbClr val="FF0000"/>
+                </a:solidFill>
+              </a:rPr>
+              <a:t>print</a:t>
+            </a:r>
+            <a:r>
+              <a:rPr lang="en-US" dirty="0"/>
+              <a:t> (</a:t>
+            </a:r>
+            <a:r>
+              <a:rPr lang="en-US" dirty="0">
+                <a:solidFill>
+                  <a:srgbClr val="00B050"/>
+                </a:solidFill>
+              </a:rPr>
+              <a:t>"Countdown begin..."</a:t>
+            </a:r>
+            <a:r>
+              <a:rPr lang="en-US" dirty="0"/>
+              <a:t>) </a:t>
+            </a:r>
+          </a:p>
+          <a:p>
+            <a:pPr marL="0" indent="0">
+              <a:buNone/>
+            </a:pPr>
+            <a:r>
+              <a:rPr lang="en-US" dirty="0">
+                <a:solidFill>
+                  <a:srgbClr val="0070C0"/>
+                </a:solidFill>
+              </a:rPr>
+              <a:t>while</a:t>
+            </a:r>
+            <a:r>
+              <a:rPr lang="en-US" dirty="0"/>
+              <a:t> countdown &gt; 0: </a:t>
+            </a:r>
+          </a:p>
+          <a:p>
+            <a:pPr marL="0" indent="0">
+              <a:buNone/>
+            </a:pPr>
+            <a:r>
+              <a:rPr lang="en-US" dirty="0"/>
+              <a:t>      </a:t>
+            </a:r>
+            <a:r>
+              <a:rPr lang="en-US" dirty="0">
+                <a:solidFill>
+                  <a:srgbClr val="FF0000"/>
+                </a:solidFill>
+              </a:rPr>
+              <a:t>print</a:t>
+            </a:r>
+            <a:r>
+              <a:rPr lang="en-US" dirty="0"/>
+              <a:t>(countdown, </a:t>
+            </a:r>
+            <a:r>
+              <a:rPr lang="en-US" dirty="0">
+                <a:solidFill>
+                  <a:srgbClr val="00B050"/>
+                </a:solidFill>
+              </a:rPr>
+              <a:t>"..."</a:t>
+            </a:r>
+            <a:r>
+              <a:rPr lang="en-US" dirty="0"/>
+              <a:t>) </a:t>
+            </a:r>
+          </a:p>
+          <a:p>
+            <a:pPr marL="0" indent="0">
+              <a:buNone/>
+            </a:pPr>
+            <a:r>
+              <a:rPr lang="en-US" dirty="0">
+                <a:solidFill>
+                  <a:srgbClr val="FF0000"/>
+                </a:solidFill>
+              </a:rPr>
+              <a:t>print</a:t>
+            </a:r>
+            <a:r>
+              <a:rPr lang="en-US" dirty="0"/>
+              <a:t>(</a:t>
+            </a:r>
+            <a:r>
+              <a:rPr lang="en-US" dirty="0">
+                <a:solidFill>
+                  <a:srgbClr val="00B050"/>
+                </a:solidFill>
+              </a:rPr>
+              <a:t>"Blastoff!"</a:t>
+            </a:r>
+            <a:r>
+              <a:rPr lang="en-US" dirty="0"/>
+              <a:t>)</a:t>
+            </a:r>
+          </a:p>
+          <a:p>
+            <a:pPr marL="0" indent="0">
+              <a:buNone/>
+            </a:pPr>
+            <a:endParaRPr lang="en-US" dirty="0"/>
+          </a:p>
+        </p:txBody>
+      </p:sp>
+    </p:spTree>
+    <p:extLst>
+      <p:ext uri="{BB962C8B-B14F-4D97-AF65-F5344CB8AC3E}">
+        <p14:creationId xmlns:p14="http://schemas.microsoft.com/office/powerpoint/2010/main" val="4098884012"/>
+      </p:ext>
+    </p:extLst>
+  </p:cSld>
+  <p:clrMapOvr>
+    <a:masterClrMapping/>
+  </p:clrMapOvr>
+</p:sld>
+</file>
+
+<file path=ppt/slides/slide31.xml><?xml version="1.0" encoding="utf-8"?>
+<p:sld xmlns:a="http://schemas.openxmlformats.org/drawingml/2006/main" xmlns:r="http://schemas.openxmlformats.org/officeDocument/2006/relationships" xmlns:p="http://schemas.openxmlformats.org/presentationml/2006/main">
+  <p:cSld>
     <p:bg>
       <p:bgPr>
         <a:solidFill>
@@ -7686,7 +7978,7 @@
 </p:sld>
 </file>
 
-<file path=ppt/slides/slide31.xml><?xml version="1.0" encoding="utf-8"?>
+<file path=ppt/slides/slide32.xml><?xml version="1.0" encoding="utf-8"?>
 <p:sld xmlns:a="http://schemas.openxmlformats.org/drawingml/2006/main" xmlns:r="http://schemas.openxmlformats.org/officeDocument/2006/relationships" xmlns:p="http://schemas.openxmlformats.org/presentationml/2006/main">
   <p:cSld>
     <p:spTree>
@@ -7708,7 +8000,7 @@
           <p:cNvPr id="2" name="Title 1">
             <a:extLst>
               <a:ext uri="{FF2B5EF4-FFF2-40B4-BE49-F238E27FC236}">
-                <a16:creationId xmlns:a16="http://schemas.microsoft.com/office/drawing/2014/main" id="{BD9B417C-AAD3-4E43-A3AD-85EF914C5E9B}"/>
+                <a16:creationId xmlns:a16="http://schemas.microsoft.com/office/drawing/2014/main" id="{33552F00-EF84-40FB-BB53-B6FB0606D261}"/>
               </a:ext>
             </a:extLst>
           </p:cNvPr>
@@ -7726,7 +8018,7 @@
           <a:p>
             <a:r>
               <a:rPr lang="en-US"/>
-              <a:t>Infinite Loop Example #5 </a:t>
+              <a:t>Ending an Infinite Loop </a:t>
             </a:r>
           </a:p>
         </p:txBody>
@@ -7736,7 +8028,7 @@
           <p:cNvPr id="3" name="Content Placeholder 2">
             <a:extLst>
               <a:ext uri="{FF2B5EF4-FFF2-40B4-BE49-F238E27FC236}">
-                <a16:creationId xmlns:a16="http://schemas.microsoft.com/office/drawing/2014/main" id="{B0A7C1DF-E46A-437D-8AC8-8BB1B191D05C}"/>
+                <a16:creationId xmlns:a16="http://schemas.microsoft.com/office/drawing/2014/main" id="{E841A6DB-38E4-4DA6-9FCF-EC8E93C9256C}"/>
               </a:ext>
             </a:extLst>
           </p:cNvPr>
@@ -7749,17 +8041,46 @@
         </p:nvSpPr>
         <p:spPr/>
         <p:txBody>
-          <a:bodyPr>
-            <a:normAutofit/>
-          </a:bodyPr>
-          <a:lstStyle/>
-          <a:p>
-            <a:pPr marL="0" indent="0">
-              <a:buNone/>
-            </a:pPr>
-            <a:r>
-              <a:rPr lang="en-US" dirty="0"/>
-              <a:t>• Why doesn’t this loop end?  What will fix it?</a:t>
+          <a:bodyPr/>
+          <a:lstStyle/>
+          <a:p>
+            <a:pPr marL="0" indent="0">
+              <a:buNone/>
+            </a:pPr>
+            <a:r>
+              <a:rPr lang="en-US" sz="3200" dirty="0"/>
+              <a:t>• If you run a Python program that contains an infinite loop, it may seem like you’ve lost control of the terminal!</a:t>
+            </a:r>
+          </a:p>
+          <a:p>
+            <a:pPr marL="0" indent="0">
+              <a:buNone/>
+            </a:pPr>
+            <a:endParaRPr lang="en-US" sz="3200" dirty="0"/>
+          </a:p>
+          <a:p>
+            <a:pPr marL="0" indent="0">
+              <a:buNone/>
+            </a:pPr>
+            <a:r>
+              <a:rPr lang="en-US" sz="3200" dirty="0"/>
+              <a:t>• To regain control, simply type </a:t>
+            </a:r>
+            <a:r>
+              <a:rPr lang="en-US" sz="3200" b="1" dirty="0"/>
+              <a:t>CTRL+C</a:t>
+            </a:r>
+            <a:r>
+              <a:rPr lang="en-US" sz="3200" dirty="0"/>
+              <a:t> to interrupt the infinite loop – </a:t>
+            </a:r>
+            <a:r>
+              <a:rPr lang="en-US" sz="3200" b="1" dirty="0" err="1"/>
+              <a:t>KeyboardInterrupt</a:t>
+            </a:r>
+            <a:r>
+              <a:rPr lang="en-US" sz="3200" dirty="0"/>
+              <a:t> will be displayed, and you’ll regain control</a:t>
             </a:r>
           </a:p>
           <a:p>
@@ -7767,416 +8088,13 @@
               <a:buNone/>
             </a:pPr>
             <a:endParaRPr lang="en-US" dirty="0"/>
-          </a:p>
-          <a:p>
-            <a:pPr marL="0" indent="0">
-              <a:buNone/>
-            </a:pPr>
-            <a:r>
-              <a:rPr lang="en-US" dirty="0"/>
-              <a:t>         grade = </a:t>
-            </a:r>
-            <a:r>
-              <a:rPr lang="en-US" dirty="0">
-                <a:solidFill>
-                  <a:srgbClr val="00B050"/>
-                </a:solidFill>
-              </a:rPr>
-              <a:t>"" </a:t>
-            </a:r>
-          </a:p>
-          <a:p>
-            <a:pPr marL="0" indent="0">
-              <a:buNone/>
-            </a:pPr>
-            <a:r>
-              <a:rPr lang="en-US" dirty="0"/>
-              <a:t>         name  = </a:t>
-            </a:r>
-            <a:r>
-              <a:rPr lang="en-US" dirty="0">
-                <a:solidFill>
-                  <a:srgbClr val="00B050"/>
-                </a:solidFill>
-              </a:rPr>
-              <a:t>""</a:t>
-            </a:r>
-            <a:r>
-              <a:rPr lang="en-US" dirty="0"/>
-              <a:t> </a:t>
-            </a:r>
-          </a:p>
-          <a:p>
-            <a:pPr marL="0" indent="0">
-              <a:buNone/>
-            </a:pPr>
-            <a:r>
-              <a:rPr lang="en-US" dirty="0"/>
-              <a:t>        </a:t>
-            </a:r>
-            <a:r>
-              <a:rPr lang="en-US" dirty="0">
-                <a:solidFill>
-                  <a:srgbClr val="0070C0"/>
-                </a:solidFill>
-              </a:rPr>
-              <a:t>while</a:t>
-            </a:r>
-            <a:r>
-              <a:rPr lang="en-US" dirty="0"/>
-              <a:t> name != </a:t>
-            </a:r>
-            <a:r>
-              <a:rPr lang="en-US" dirty="0">
-                <a:solidFill>
-                  <a:srgbClr val="00B050"/>
-                </a:solidFill>
-              </a:rPr>
-              <a:t>"Hrabowski"</a:t>
-            </a:r>
-            <a:r>
-              <a:rPr lang="en-US" dirty="0"/>
-              <a:t>: </a:t>
-            </a:r>
-          </a:p>
-          <a:p>
-            <a:pPr marL="0" indent="0">
-              <a:buNone/>
-            </a:pPr>
-            <a:r>
-              <a:rPr lang="en-US" dirty="0"/>
-              <a:t>             </a:t>
-            </a:r>
-            <a:r>
-              <a:rPr lang="en-US" dirty="0">
-                <a:solidFill>
-                  <a:srgbClr val="7030A0"/>
-                </a:solidFill>
-              </a:rPr>
-              <a:t># get the user's grade </a:t>
-            </a:r>
-          </a:p>
-          <a:p>
-            <a:pPr marL="0" indent="0">
-              <a:buNone/>
-            </a:pPr>
-            <a:r>
-              <a:rPr lang="en-US" dirty="0"/>
-              <a:t>              grade = </a:t>
-            </a:r>
-            <a:r>
-              <a:rPr lang="en-US" dirty="0">
-                <a:solidFill>
-                  <a:srgbClr val="FF0000"/>
-                </a:solidFill>
-              </a:rPr>
-              <a:t>input</a:t>
-            </a:r>
-            <a:r>
-              <a:rPr lang="en-US" dirty="0"/>
-              <a:t>(</a:t>
-            </a:r>
-            <a:r>
-              <a:rPr lang="en-US" dirty="0">
-                <a:solidFill>
-                  <a:srgbClr val="00B050"/>
-                </a:solidFill>
-              </a:rPr>
-              <a:t>"What is your grade? "</a:t>
-            </a:r>
-            <a:r>
-              <a:rPr lang="en-US" dirty="0"/>
-              <a:t>) </a:t>
-            </a:r>
-          </a:p>
-          <a:p>
-            <a:pPr marL="0" indent="0">
-              <a:buNone/>
-            </a:pPr>
-            <a:r>
-              <a:rPr lang="en-US" dirty="0"/>
-              <a:t>         </a:t>
-            </a:r>
-            <a:r>
-              <a:rPr lang="en-US" dirty="0">
-                <a:solidFill>
-                  <a:srgbClr val="FF0000"/>
-                </a:solidFill>
-              </a:rPr>
-              <a:t>print</a:t>
-            </a:r>
-            <a:r>
-              <a:rPr lang="en-US" dirty="0"/>
-              <a:t>(</a:t>
-            </a:r>
-            <a:r>
-              <a:rPr lang="en-US" dirty="0">
-                <a:solidFill>
-                  <a:srgbClr val="00B050"/>
-                </a:solidFill>
-              </a:rPr>
-              <a:t>"You passed!“</a:t>
-            </a:r>
-            <a:r>
-              <a:rPr lang="en-US" dirty="0"/>
-              <a:t>)</a:t>
-            </a:r>
           </a:p>
         </p:txBody>
       </p:sp>
     </p:spTree>
     <p:extLst>
       <p:ext uri="{BB962C8B-B14F-4D97-AF65-F5344CB8AC3E}">
-        <p14:creationId xmlns:p14="http://schemas.microsoft.com/office/powerpoint/2010/main" val="777405642"/>
-      </p:ext>
-    </p:extLst>
-  </p:cSld>
-  <p:clrMapOvr>
-    <a:masterClrMapping/>
-  </p:clrMapOvr>
-</p:sld>
-</file>
-
-<file path=ppt/slides/slide32.xml><?xml version="1.0" encoding="utf-8"?>
-<p:sld xmlns:a="http://schemas.openxmlformats.org/drawingml/2006/main" xmlns:r="http://schemas.openxmlformats.org/officeDocument/2006/relationships" xmlns:p="http://schemas.openxmlformats.org/presentationml/2006/main">
-  <p:cSld>
-    <p:bg>
-      <p:bgPr>
-        <a:solidFill>
-          <a:schemeClr val="bg1"/>
-        </a:solidFill>
-        <a:effectLst/>
-      </p:bgPr>
-    </p:bg>
-    <p:spTree>
-      <p:nvGrpSpPr>
-        <p:cNvPr id="1" name=""/>
-        <p:cNvGrpSpPr/>
-        <p:nvPr/>
-      </p:nvGrpSpPr>
-      <p:grpSpPr>
-        <a:xfrm>
-          <a:off x="0" y="0"/>
-          <a:ext cx="0" cy="0"/>
-          <a:chOff x="0" y="0"/>
-          <a:chExt cx="0" cy="0"/>
-        </a:xfrm>
-      </p:grpSpPr>
-      <p:sp>
-        <p:nvSpPr>
-          <p:cNvPr id="10" name="Rectangle 9">
-            <a:extLst>
-              <a:ext uri="{FF2B5EF4-FFF2-40B4-BE49-F238E27FC236}">
-                <a16:creationId xmlns:a16="http://schemas.microsoft.com/office/drawing/2014/main" id="{81AEB8A9-B768-4E30-BA55-D919E6687343}"/>
-              </a:ext>
-              <a:ext uri="{C183D7F6-B498-43B3-948B-1728B52AA6E4}">
-                <adec:decorative xmlns:adec="http://schemas.microsoft.com/office/drawing/2017/decorative" val="1"/>
-              </a:ext>
-            </a:extLst>
-          </p:cNvPr>
-          <p:cNvSpPr>
-            <a:spLocks noGrp="1" noRot="1" noChangeAspect="1" noMove="1" noResize="1" noEditPoints="1" noAdjustHandles="1" noChangeArrowheads="1" noChangeShapeType="1" noTextEdit="1"/>
-          </p:cNvSpPr>
-          <p:nvPr>
-            <p:extLst>
-              <p:ext uri="{386F3935-93C4-4BCD-93E2-E3B085C9AB24}">
-                <p16:designElem xmlns:p16="http://schemas.microsoft.com/office/powerpoint/2015/main" val="1"/>
-              </p:ext>
-            </p:extLst>
-          </p:nvPr>
-        </p:nvSpPr>
-        <p:spPr>
-          <a:xfrm>
-            <a:off x="-10001" y="-2"/>
-            <a:ext cx="4069936" cy="6858002"/>
-          </a:xfrm>
-          <a:prstGeom prst="rect">
-            <a:avLst/>
-          </a:prstGeom>
-          <a:solidFill>
-            <a:schemeClr val="accent1"/>
-          </a:solidFill>
-          <a:ln>
-            <a:noFill/>
-          </a:ln>
-        </p:spPr>
-        <p:style>
-          <a:lnRef idx="2">
-            <a:schemeClr val="accent1">
-              <a:shade val="50000"/>
-            </a:schemeClr>
-          </a:lnRef>
-          <a:fillRef idx="1">
-            <a:schemeClr val="accent1"/>
-          </a:fillRef>
-          <a:effectRef idx="0">
-            <a:schemeClr val="accent1"/>
-          </a:effectRef>
-          <a:fontRef idx="minor">
-            <a:schemeClr val="lt1"/>
-          </a:fontRef>
-        </p:style>
-        <p:txBody>
-          <a:bodyPr rtlCol="0" anchor="ctr"/>
-          <a:lstStyle/>
-          <a:p>
-            <a:pPr marL="0" marR="0" lvl="0" indent="0" algn="ctr" defTabSz="914400" rtl="0" eaLnBrk="1" fontAlgn="auto" latinLnBrk="0" hangingPunct="1">
-              <a:lnSpc>
-                <a:spcPct val="100000"/>
-              </a:lnSpc>
-              <a:spcBef>
-                <a:spcPts val="0"/>
-              </a:spcBef>
-              <a:spcAft>
-                <a:spcPts val="0"/>
-              </a:spcAft>
-              <a:buClrTx/>
-              <a:buSzTx/>
-              <a:buFontTx/>
-              <a:buNone/>
-              <a:tabLst/>
-              <a:defRPr/>
-            </a:pPr>
-            <a:endParaRPr kumimoji="0" lang="en-US" sz="1800" b="0" i="0" u="none" strike="noStrike" kern="1200" cap="none" spc="0" normalizeH="0" baseline="0" noProof="0">
-              <a:ln>
-                <a:noFill/>
-              </a:ln>
-              <a:solidFill>
-                <a:prstClr val="white"/>
-              </a:solidFill>
-              <a:effectLst/>
-              <a:uLnTx/>
-              <a:uFillTx/>
-              <a:latin typeface="Calibri" panose="020F0502020204030204"/>
-              <a:ea typeface="+mn-ea"/>
-              <a:cs typeface="+mn-cs"/>
-            </a:endParaRPr>
-          </a:p>
-        </p:txBody>
-      </p:sp>
-      <p:sp>
-        <p:nvSpPr>
-          <p:cNvPr id="2" name="Title 1">
-            <a:extLst>
-              <a:ext uri="{FF2B5EF4-FFF2-40B4-BE49-F238E27FC236}">
-                <a16:creationId xmlns:a16="http://schemas.microsoft.com/office/drawing/2014/main" id="{4668E89D-23EF-46B3-B884-A18F1D34E8C2}"/>
-              </a:ext>
-            </a:extLst>
-          </p:cNvPr>
-          <p:cNvSpPr>
-            <a:spLocks noGrp="1"/>
-          </p:cNvSpPr>
-          <p:nvPr>
-            <p:ph type="title"/>
-          </p:nvPr>
-        </p:nvSpPr>
-        <p:spPr>
-          <a:xfrm>
-            <a:off x="643467" y="640080"/>
-            <a:ext cx="3096427" cy="5613236"/>
-          </a:xfrm>
-        </p:spPr>
-        <p:txBody>
-          <a:bodyPr anchor="ctr">
-            <a:normAutofit/>
-          </a:bodyPr>
-          <a:lstStyle/>
-          <a:p>
-            <a:r>
-              <a:rPr lang="en-US">
-                <a:solidFill>
-                  <a:srgbClr val="FFFFFF"/>
-                </a:solidFill>
-              </a:rPr>
-              <a:t>Infinite Loop Example #5 </a:t>
-            </a:r>
-          </a:p>
-        </p:txBody>
-      </p:sp>
-      <p:sp>
-        <p:nvSpPr>
-          <p:cNvPr id="3" name="Content Placeholder 2">
-            <a:extLst>
-              <a:ext uri="{FF2B5EF4-FFF2-40B4-BE49-F238E27FC236}">
-                <a16:creationId xmlns:a16="http://schemas.microsoft.com/office/drawing/2014/main" id="{F36BF650-08D2-4A2C-ACCA-BC9984C89C72}"/>
-              </a:ext>
-            </a:extLst>
-          </p:cNvPr>
-          <p:cNvSpPr>
-            <a:spLocks noGrp="1"/>
-          </p:cNvSpPr>
-          <p:nvPr>
-            <p:ph idx="1"/>
-          </p:nvPr>
-        </p:nvSpPr>
-        <p:spPr>
-          <a:xfrm>
-            <a:off x="4699818" y="640082"/>
-            <a:ext cx="6848715" cy="2484884"/>
-          </a:xfrm>
-        </p:spPr>
-        <p:txBody>
-          <a:bodyPr anchor="ctr">
-            <a:normAutofit/>
-          </a:bodyPr>
-          <a:lstStyle/>
-          <a:p>
-            <a:pPr marL="0" indent="0">
-              <a:buNone/>
-            </a:pPr>
-            <a:r>
-              <a:rPr lang="en-US" dirty="0"/>
-              <a:t>• Why doesn’t this loop end?  What will fix it?</a:t>
-            </a:r>
-          </a:p>
-          <a:p>
-            <a:pPr marL="0" indent="0">
-              <a:buNone/>
-            </a:pPr>
-            <a:endParaRPr lang="en-US" sz="2000" dirty="0"/>
-          </a:p>
-        </p:txBody>
-      </p:sp>
-      <p:pic>
-        <p:nvPicPr>
-          <p:cNvPr id="5" name="Picture 4">
-            <a:extLst>
-              <a:ext uri="{FF2B5EF4-FFF2-40B4-BE49-F238E27FC236}">
-                <a16:creationId xmlns:a16="http://schemas.microsoft.com/office/drawing/2014/main" id="{BE5D850A-156D-4001-AB32-43A653FDA6E5}"/>
-              </a:ext>
-            </a:extLst>
-          </p:cNvPr>
-          <p:cNvPicPr>
-            <a:picLocks noChangeAspect="1"/>
-          </p:cNvPicPr>
-          <p:nvPr/>
-        </p:nvPicPr>
-        <p:blipFill>
-          <a:blip r:embed="rId2">
-            <a:extLst>
-              <a:ext uri="{28A0092B-C50C-407E-A947-70E740481C1C}">
-                <a14:useLocalDpi xmlns:a14="http://schemas.microsoft.com/office/drawing/2010/main" val="0"/>
-              </a:ext>
-            </a:extLst>
-          </a:blip>
-          <a:stretch>
-            <a:fillRect/>
-          </a:stretch>
-        </p:blipFill>
-        <p:spPr>
-          <a:xfrm>
-            <a:off x="4379777" y="2180492"/>
-            <a:ext cx="7380814" cy="4072824"/>
-          </a:xfrm>
-          <a:prstGeom prst="rect">
-            <a:avLst/>
-          </a:prstGeom>
-        </p:spPr>
-      </p:pic>
-    </p:spTree>
-    <p:extLst>
-      <p:ext uri="{BB962C8B-B14F-4D97-AF65-F5344CB8AC3E}">
-        <p14:creationId xmlns:p14="http://schemas.microsoft.com/office/powerpoint/2010/main" val="3772027874"/>
+        <p14:creationId xmlns:p14="http://schemas.microsoft.com/office/powerpoint/2010/main" val="3969282485"/>
       </p:ext>
     </p:extLst>
   </p:cSld>
@@ -8208,7 +8126,7 @@
           <p:cNvPr id="2" name="Title 1">
             <a:extLst>
               <a:ext uri="{FF2B5EF4-FFF2-40B4-BE49-F238E27FC236}">
-                <a16:creationId xmlns:a16="http://schemas.microsoft.com/office/drawing/2014/main" id="{33552F00-EF84-40FB-BB53-B6FB0606D261}"/>
+                <a16:creationId xmlns:a16="http://schemas.microsoft.com/office/drawing/2014/main" id="{7A594D0E-07E1-45BE-80CC-BDCD93F222E1}"/>
               </a:ext>
             </a:extLst>
           </p:cNvPr>
@@ -8225,8 +8143,16 @@
           <a:lstStyle/>
           <a:p>
             <a:r>
-              <a:rPr lang="en-US"/>
-              <a:t>Ending an Infinite Loop </a:t>
+              <a:rPr lang="en-US" dirty="0"/>
+              <a:t>When to Use </a:t>
+            </a:r>
+            <a:r>
+              <a:rPr lang="en-US" b="1" dirty="0"/>
+              <a:t>while</a:t>
+            </a:r>
+            <a:r>
+              <a:rPr lang="en-US" dirty="0"/>
+              <a:t> Loops </a:t>
             </a:r>
           </a:p>
         </p:txBody>
@@ -8236,7 +8162,7 @@
           <p:cNvPr id="3" name="Content Placeholder 2">
             <a:extLst>
               <a:ext uri="{FF2B5EF4-FFF2-40B4-BE49-F238E27FC236}">
-                <a16:creationId xmlns:a16="http://schemas.microsoft.com/office/drawing/2014/main" id="{E841A6DB-38E4-4DA6-9FCF-EC8E93C9256C}"/>
+                <a16:creationId xmlns:a16="http://schemas.microsoft.com/office/drawing/2014/main" id="{599F100F-F46A-4657-B15E-0CAD54F806CB}"/>
               </a:ext>
             </a:extLst>
           </p:cNvPr>
@@ -8256,39 +8182,52 @@
               <a:buNone/>
             </a:pPr>
             <a:r>
-              <a:rPr lang="en-US" sz="3200" dirty="0"/>
-              <a:t>• If you run a Python program that contains an infinite loop, it may seem like you’ve lost control of the terminal!</a:t>
-            </a:r>
-          </a:p>
-          <a:p>
-            <a:pPr marL="0" indent="0">
-              <a:buNone/>
-            </a:pPr>
-            <a:endParaRPr lang="en-US" sz="3200" dirty="0"/>
-          </a:p>
-          <a:p>
-            <a:pPr marL="0" indent="0">
-              <a:buNone/>
-            </a:pPr>
-            <a:r>
-              <a:rPr lang="en-US" sz="3200" dirty="0"/>
-              <a:t>• To regain control, simply type </a:t>
-            </a:r>
-            <a:r>
-              <a:rPr lang="en-US" sz="3200" b="1" dirty="0"/>
-              <a:t>CTRL+C</a:t>
-            </a:r>
-            <a:r>
-              <a:rPr lang="en-US" sz="3200" dirty="0"/>
-              <a:t> to interrupt the infinite loop –</a:t>
-            </a:r>
-            <a:r>
-              <a:rPr lang="en-US" sz="3200" b="1" dirty="0" err="1"/>
-              <a:t>KeyboardInterrupt</a:t>
-            </a:r>
-            <a:r>
-              <a:rPr lang="en-US" sz="3200" dirty="0"/>
-              <a:t> will be displayed, and you’ll regain control</a:t>
+              <a:rPr lang="en-US" dirty="0"/>
+              <a:t>• </a:t>
+            </a:r>
+            <a:r>
+              <a:rPr lang="en-US" b="1" dirty="0"/>
+              <a:t>while</a:t>
+            </a:r>
+            <a:r>
+              <a:rPr lang="en-US" dirty="0"/>
+              <a:t> loops are very helpful when you want to get input from the user that meets certain specific conditions</a:t>
+            </a:r>
+          </a:p>
+          <a:p>
+            <a:pPr marL="0" indent="0">
+              <a:buNone/>
+            </a:pPr>
+            <a:r>
+              <a:rPr lang="en-US" dirty="0"/>
+              <a:t>that meets certain specific conditions </a:t>
+            </a:r>
+          </a:p>
+          <a:p>
+            <a:pPr marL="0" indent="0">
+              <a:buNone/>
+            </a:pPr>
+            <a:r>
+              <a:rPr lang="en-US" dirty="0"/>
+              <a:t>    –Positive number </a:t>
+            </a:r>
+          </a:p>
+          <a:p>
+            <a:pPr marL="0" indent="0">
+              <a:buNone/>
+            </a:pPr>
+            <a:r>
+              <a:rPr lang="en-US" dirty="0"/>
+              <a:t>    –A non-empty string </a:t>
+            </a:r>
+          </a:p>
+          <a:p>
+            <a:pPr marL="0" indent="0">
+              <a:buNone/>
+            </a:pPr>
+            <a:r>
+              <a:rPr lang="en-US" dirty="0"/>
+              <a:t>    –A number within a certain range</a:t>
             </a:r>
           </a:p>
           <a:p>
@@ -8302,7 +8241,7 @@
     </p:spTree>
     <p:extLst>
       <p:ext uri="{BB962C8B-B14F-4D97-AF65-F5344CB8AC3E}">
-        <p14:creationId xmlns:p14="http://schemas.microsoft.com/office/powerpoint/2010/main" val="3969282485"/>
+        <p14:creationId xmlns:p14="http://schemas.microsoft.com/office/powerpoint/2010/main" val="452921861"/>
       </p:ext>
     </p:extLst>
   </p:cSld>
@@ -8334,153 +8273,6 @@
           <p:cNvPr id="2" name="Title 1">
             <a:extLst>
               <a:ext uri="{FF2B5EF4-FFF2-40B4-BE49-F238E27FC236}">
-                <a16:creationId xmlns:a16="http://schemas.microsoft.com/office/drawing/2014/main" id="{7A594D0E-07E1-45BE-80CC-BDCD93F222E1}"/>
-              </a:ext>
-            </a:extLst>
-          </p:cNvPr>
-          <p:cNvSpPr>
-            <a:spLocks noGrp="1"/>
-          </p:cNvSpPr>
-          <p:nvPr>
-            <p:ph type="title"/>
-          </p:nvPr>
-        </p:nvSpPr>
-        <p:spPr/>
-        <p:txBody>
-          <a:bodyPr/>
-          <a:lstStyle/>
-          <a:p>
-            <a:r>
-              <a:rPr lang="en-US" dirty="0"/>
-              <a:t>When to Use </a:t>
-            </a:r>
-            <a:r>
-              <a:rPr lang="en-US" b="1" dirty="0"/>
-              <a:t>while</a:t>
-            </a:r>
-            <a:r>
-              <a:rPr lang="en-US" dirty="0"/>
-              <a:t> Loops </a:t>
-            </a:r>
-          </a:p>
-        </p:txBody>
-      </p:sp>
-      <p:sp>
-        <p:nvSpPr>
-          <p:cNvPr id="3" name="Content Placeholder 2">
-            <a:extLst>
-              <a:ext uri="{FF2B5EF4-FFF2-40B4-BE49-F238E27FC236}">
-                <a16:creationId xmlns:a16="http://schemas.microsoft.com/office/drawing/2014/main" id="{599F100F-F46A-4657-B15E-0CAD54F806CB}"/>
-              </a:ext>
-            </a:extLst>
-          </p:cNvPr>
-          <p:cNvSpPr>
-            <a:spLocks noGrp="1"/>
-          </p:cNvSpPr>
-          <p:nvPr>
-            <p:ph idx="1"/>
-          </p:nvPr>
-        </p:nvSpPr>
-        <p:spPr/>
-        <p:txBody>
-          <a:bodyPr/>
-          <a:lstStyle/>
-          <a:p>
-            <a:pPr marL="0" indent="0">
-              <a:buNone/>
-            </a:pPr>
-            <a:r>
-              <a:rPr lang="en-US" dirty="0"/>
-              <a:t>• </a:t>
-            </a:r>
-            <a:r>
-              <a:rPr lang="en-US" b="1" dirty="0"/>
-              <a:t>while</a:t>
-            </a:r>
-            <a:r>
-              <a:rPr lang="en-US" dirty="0"/>
-              <a:t> loops are very helpful when you want to get input from the user that meets certain specific conditions</a:t>
-            </a:r>
-          </a:p>
-          <a:p>
-            <a:pPr marL="0" indent="0">
-              <a:buNone/>
-            </a:pPr>
-            <a:r>
-              <a:rPr lang="en-US" dirty="0"/>
-              <a:t>that meets certain specific conditions </a:t>
-            </a:r>
-          </a:p>
-          <a:p>
-            <a:pPr marL="0" indent="0">
-              <a:buNone/>
-            </a:pPr>
-            <a:r>
-              <a:rPr lang="en-US" dirty="0"/>
-              <a:t>    –Positive number </a:t>
-            </a:r>
-          </a:p>
-          <a:p>
-            <a:pPr marL="0" indent="0">
-              <a:buNone/>
-            </a:pPr>
-            <a:r>
-              <a:rPr lang="en-US" dirty="0"/>
-              <a:t>    –A non-empty string </a:t>
-            </a:r>
-          </a:p>
-          <a:p>
-            <a:pPr marL="0" indent="0">
-              <a:buNone/>
-            </a:pPr>
-            <a:r>
-              <a:rPr lang="en-US" dirty="0"/>
-              <a:t>    –A number within a certain range</a:t>
-            </a:r>
-          </a:p>
-          <a:p>
-            <a:pPr marL="0" indent="0">
-              <a:buNone/>
-            </a:pPr>
-            <a:endParaRPr lang="en-US" dirty="0"/>
-          </a:p>
-        </p:txBody>
-      </p:sp>
-    </p:spTree>
-    <p:extLst>
-      <p:ext uri="{BB962C8B-B14F-4D97-AF65-F5344CB8AC3E}">
-        <p14:creationId xmlns:p14="http://schemas.microsoft.com/office/powerpoint/2010/main" val="452921861"/>
-      </p:ext>
-    </p:extLst>
-  </p:cSld>
-  <p:clrMapOvr>
-    <a:masterClrMapping/>
-  </p:clrMapOvr>
-</p:sld>
-</file>
-
-<file path=ppt/slides/slide35.xml><?xml version="1.0" encoding="utf-8"?>
-<p:sld xmlns:a="http://schemas.openxmlformats.org/drawingml/2006/main" xmlns:r="http://schemas.openxmlformats.org/officeDocument/2006/relationships" xmlns:p="http://schemas.openxmlformats.org/presentationml/2006/main">
-  <p:cSld>
-    <p:spTree>
-      <p:nvGrpSpPr>
-        <p:cNvPr id="1" name=""/>
-        <p:cNvGrpSpPr/>
-        <p:nvPr/>
-      </p:nvGrpSpPr>
-      <p:grpSpPr>
-        <a:xfrm>
-          <a:off x="0" y="0"/>
-          <a:ext cx="0" cy="0"/>
-          <a:chOff x="0" y="0"/>
-          <a:chExt cx="0" cy="0"/>
-        </a:xfrm>
-      </p:grpSpPr>
-      <p:sp>
-        <p:nvSpPr>
-          <p:cNvPr id="2" name="Title 1">
-            <a:extLst>
-              <a:ext uri="{FF2B5EF4-FFF2-40B4-BE49-F238E27FC236}">
                 <a16:creationId xmlns:a16="http://schemas.microsoft.com/office/drawing/2014/main" id="{14A38303-E1BE-48E8-9B4E-1D6EB44DDA28}"/>
               </a:ext>
             </a:extLst>
@@ -8709,7 +8501,7 @@
 </p:sld>
 </file>
 
-<file path=ppt/slides/slide36.xml><?xml version="1.0" encoding="utf-8"?>
+<file path=ppt/slides/slide35.xml><?xml version="1.0" encoding="utf-8"?>
 <p:sld xmlns:a="http://schemas.openxmlformats.org/drawingml/2006/main" xmlns:r="http://schemas.openxmlformats.org/officeDocument/2006/relationships" xmlns:p="http://schemas.openxmlformats.org/presentationml/2006/main">
   <p:cSld>
     <p:spTree>
@@ -9074,15 +8866,6 @@
             <a:r>
               <a:rPr lang="en-US" dirty="0"/>
               <a:t>• Used in combination with decision making</a:t>
-            </a:r>
-          </a:p>
-          <a:p>
-            <a:pPr marL="0" indent="0">
-              <a:buNone/>
-            </a:pPr>
-            <a:r>
-              <a:rPr lang="en-US" dirty="0"/>
-              <a:t>• Used in combination with decision making </a:t>
             </a:r>
           </a:p>
           <a:p>

--- a/PYTHON_7_While Loops.pptx
+++ b/PYTHON_7_While Loops.pptx
@@ -293,7 +293,7 @@
           <a:p>
             <a:fld id="{D3853345-A581-455E-9661-1270F4F6E587}" type="datetimeFigureOut">
               <a:rPr lang="en-US" smtClean="0"/>
-              <a:t>7/9/2019</a:t>
+              <a:t>7/10/2019</a:t>
             </a:fld>
             <a:endParaRPr lang="en-US"/>
           </a:p>
@@ -496,7 +496,7 @@
           <a:p>
             <a:fld id="{D3853345-A581-455E-9661-1270F4F6E587}" type="datetimeFigureOut">
               <a:rPr lang="en-US" smtClean="0"/>
-              <a:t>7/9/2019</a:t>
+              <a:t>7/10/2019</a:t>
             </a:fld>
             <a:endParaRPr lang="en-US"/>
           </a:p>
@@ -704,7 +704,7 @@
           <a:p>
             <a:fld id="{D3853345-A581-455E-9661-1270F4F6E587}" type="datetimeFigureOut">
               <a:rPr lang="en-US" smtClean="0"/>
-              <a:t>7/9/2019</a:t>
+              <a:t>7/10/2019</a:t>
             </a:fld>
             <a:endParaRPr lang="en-US"/>
           </a:p>
@@ -902,7 +902,7 @@
           <a:p>
             <a:fld id="{D3853345-A581-455E-9661-1270F4F6E587}" type="datetimeFigureOut">
               <a:rPr lang="en-US" smtClean="0"/>
-              <a:t>7/9/2019</a:t>
+              <a:t>7/10/2019</a:t>
             </a:fld>
             <a:endParaRPr lang="en-US"/>
           </a:p>
@@ -1177,7 +1177,7 @@
           <a:p>
             <a:fld id="{D3853345-A581-455E-9661-1270F4F6E587}" type="datetimeFigureOut">
               <a:rPr lang="en-US" smtClean="0"/>
-              <a:t>7/9/2019</a:t>
+              <a:t>7/10/2019</a:t>
             </a:fld>
             <a:endParaRPr lang="en-US"/>
           </a:p>
@@ -1442,7 +1442,7 @@
           <a:p>
             <a:fld id="{D3853345-A581-455E-9661-1270F4F6E587}" type="datetimeFigureOut">
               <a:rPr lang="en-US" smtClean="0"/>
-              <a:t>7/9/2019</a:t>
+              <a:t>7/10/2019</a:t>
             </a:fld>
             <a:endParaRPr lang="en-US"/>
           </a:p>
@@ -1854,7 +1854,7 @@
           <a:p>
             <a:fld id="{D3853345-A581-455E-9661-1270F4F6E587}" type="datetimeFigureOut">
               <a:rPr lang="en-US" smtClean="0"/>
-              <a:t>7/9/2019</a:t>
+              <a:t>7/10/2019</a:t>
             </a:fld>
             <a:endParaRPr lang="en-US"/>
           </a:p>
@@ -1995,7 +1995,7 @@
           <a:p>
             <a:fld id="{D3853345-A581-455E-9661-1270F4F6E587}" type="datetimeFigureOut">
               <a:rPr lang="en-US" smtClean="0"/>
-              <a:t>7/9/2019</a:t>
+              <a:t>7/10/2019</a:t>
             </a:fld>
             <a:endParaRPr lang="en-US"/>
           </a:p>
@@ -2108,7 +2108,7 @@
           <a:p>
             <a:fld id="{D3853345-A581-455E-9661-1270F4F6E587}" type="datetimeFigureOut">
               <a:rPr lang="en-US" smtClean="0"/>
-              <a:t>7/9/2019</a:t>
+              <a:t>7/10/2019</a:t>
             </a:fld>
             <a:endParaRPr lang="en-US"/>
           </a:p>
@@ -2424,7 +2424,7 @@
           <a:p>
             <a:fld id="{D3853345-A581-455E-9661-1270F4F6E587}" type="datetimeFigureOut">
               <a:rPr lang="en-US" smtClean="0"/>
-              <a:t>7/9/2019</a:t>
+              <a:t>7/10/2019</a:t>
             </a:fld>
             <a:endParaRPr lang="en-US"/>
           </a:p>
@@ -2717,7 +2717,7 @@
           <a:p>
             <a:fld id="{D3853345-A581-455E-9661-1270F4F6E587}" type="datetimeFigureOut">
               <a:rPr lang="en-US" smtClean="0"/>
-              <a:t>7/9/2019</a:t>
+              <a:t>7/10/2019</a:t>
             </a:fld>
             <a:endParaRPr lang="en-US"/>
           </a:p>
@@ -2958,7 +2958,7 @@
           <a:p>
             <a:fld id="{D3853345-A581-455E-9661-1270F4F6E587}" type="datetimeFigureOut">
               <a:rPr lang="en-US" smtClean="0"/>
-              <a:t>7/9/2019</a:t>
+              <a:t>7/10/2019</a:t>
             </a:fld>
             <a:endParaRPr lang="en-US"/>
           </a:p>
@@ -6231,7 +6231,9 @@
         </p:nvSpPr>
         <p:spPr/>
         <p:txBody>
-          <a:bodyPr/>
+          <a:bodyPr>
+            <a:normAutofit fontScale="92500" lnSpcReduction="10000"/>
+          </a:bodyPr>
           <a:lstStyle/>
           <a:p>
             <a:pPr marL="0" indent="0">
@@ -6459,6 +6461,24 @@
               <a:rPr lang="en-US" dirty="0"/>
               <a:t>")</a:t>
             </a:r>
+          </a:p>
+          <a:p>
+            <a:pPr marL="0" indent="0">
+              <a:buNone/>
+            </a:pPr>
+            <a:endParaRPr lang="en-US" dirty="0"/>
+          </a:p>
+          <a:p>
+            <a:pPr marL="0" indent="0">
+              <a:buNone/>
+            </a:pPr>
+            <a:r>
+              <a:rPr lang="en-US" dirty="0">
+                <a:hlinkClick r:id="rId2"/>
+              </a:rPr>
+              <a:t>https://www.quora.com/How-do-you-break-out-of-an-infinite-loop-while-a-program-is-running-in-Python</a:t>
+            </a:r>
+            <a:endParaRPr lang="en-US" dirty="0"/>
           </a:p>
           <a:p>
             <a:endParaRPr lang="en-US" dirty="0"/>
